--- a/Hubble's Constant.pptx
+++ b/Hubble's Constant.pptx
@@ -123,122 +123,6 @@
     <p1510:client id="{AFD298AE-2FBC-7348-BB9D-8E4F9096270C}" v="6" dt="2024-10-15T13:15:22.030"/>
   </p1510:revLst>
 </p1510:revInfo>
-</file>
-
-<file path=ppt/changesInfos/changesInfo1.xml><?xml version="1.0" encoding="utf-8"?>
-<pc:chgInfo xmlns:a="http://schemas.openxmlformats.org/drawingml/2006/main" xmlns:r="http://schemas.openxmlformats.org/officeDocument/2006/relationships" xmlns:ac="http://schemas.microsoft.com/office/drawing/2013/main/command" xmlns:pc="http://schemas.microsoft.com/office/powerpoint/2013/main/command">
-  <pc:docChgLst>
-    <pc:chgData name="Boicey, Ember" userId="c04f96fa-a9e5-4367-9111-9dae8d9a4b70" providerId="ADAL" clId="{AFD298AE-2FBC-7348-BB9D-8E4F9096270C}"/>
-    <pc:docChg chg="custSel modSld">
-      <pc:chgData name="Boicey, Ember" userId="c04f96fa-a9e5-4367-9111-9dae8d9a4b70" providerId="ADAL" clId="{AFD298AE-2FBC-7348-BB9D-8E4F9096270C}" dt="2024-10-15T13:15:22.030" v="22" actId="962"/>
-      <pc:docMkLst>
-        <pc:docMk/>
-      </pc:docMkLst>
-      <pc:sldChg chg="modSp mod">
-        <pc:chgData name="Boicey, Ember" userId="c04f96fa-a9e5-4367-9111-9dae8d9a4b70" providerId="ADAL" clId="{AFD298AE-2FBC-7348-BB9D-8E4F9096270C}" dt="2024-10-09T04:41:18.216" v="12" actId="1076"/>
-        <pc:sldMkLst>
-          <pc:docMk/>
-          <pc:sldMk cId="1563828347" sldId="256"/>
-        </pc:sldMkLst>
-        <pc:spChg chg="mod">
-          <ac:chgData name="Boicey, Ember" userId="c04f96fa-a9e5-4367-9111-9dae8d9a4b70" providerId="ADAL" clId="{AFD298AE-2FBC-7348-BB9D-8E4F9096270C}" dt="2024-10-09T04:40:53.301" v="9" actId="2710"/>
-          <ac:spMkLst>
-            <pc:docMk/>
-            <pc:sldMk cId="1563828347" sldId="256"/>
-            <ac:spMk id="2" creationId="{ABF7DA82-085D-40B4-5113-0C02B57BD507}"/>
-          </ac:spMkLst>
-        </pc:spChg>
-        <pc:spChg chg="mod">
-          <ac:chgData name="Boicey, Ember" userId="c04f96fa-a9e5-4367-9111-9dae8d9a4b70" providerId="ADAL" clId="{AFD298AE-2FBC-7348-BB9D-8E4F9096270C}" dt="2024-10-09T04:41:18.216" v="12" actId="1076"/>
-          <ac:spMkLst>
-            <pc:docMk/>
-            <pc:sldMk cId="1563828347" sldId="256"/>
-            <ac:spMk id="3" creationId="{3709C7A5-9667-ECA3-2978-198020C0ADF1}"/>
-          </ac:spMkLst>
-        </pc:spChg>
-      </pc:sldChg>
-      <pc:sldChg chg="addSp delSp modSp mod">
-        <pc:chgData name="Boicey, Ember" userId="c04f96fa-a9e5-4367-9111-9dae8d9a4b70" providerId="ADAL" clId="{AFD298AE-2FBC-7348-BB9D-8E4F9096270C}" dt="2024-10-15T13:15:22.030" v="22" actId="962"/>
-        <pc:sldMkLst>
-          <pc:docMk/>
-          <pc:sldMk cId="2886715423" sldId="260"/>
-        </pc:sldMkLst>
-        <pc:spChg chg="ord">
-          <ac:chgData name="Boicey, Ember" userId="c04f96fa-a9e5-4367-9111-9dae8d9a4b70" providerId="ADAL" clId="{AFD298AE-2FBC-7348-BB9D-8E4F9096270C}" dt="2024-10-15T13:15:19.105" v="20" actId="26606"/>
-          <ac:spMkLst>
-            <pc:docMk/>
-            <pc:sldMk cId="2886715423" sldId="260"/>
-            <ac:spMk id="4" creationId="{11EAD413-44E7-FD0C-4C95-69D0B97B7183}"/>
-          </ac:spMkLst>
-        </pc:spChg>
-        <pc:spChg chg="add del mod">
-          <ac:chgData name="Boicey, Ember" userId="c04f96fa-a9e5-4367-9111-9dae8d9a4b70" providerId="ADAL" clId="{AFD298AE-2FBC-7348-BB9D-8E4F9096270C}" dt="2024-10-15T13:14:52.529" v="15" actId="478"/>
-          <ac:spMkLst>
-            <pc:docMk/>
-            <pc:sldMk cId="2886715423" sldId="260"/>
-            <ac:spMk id="5" creationId="{B5DBB8DF-2597-CFDA-008A-BD5BF62DFB21}"/>
-          </ac:spMkLst>
-        </pc:spChg>
-        <pc:spChg chg="add del mod">
-          <ac:chgData name="Boicey, Ember" userId="c04f96fa-a9e5-4367-9111-9dae8d9a4b70" providerId="ADAL" clId="{AFD298AE-2FBC-7348-BB9D-8E4F9096270C}" dt="2024-10-15T13:15:01.434" v="18" actId="478"/>
-          <ac:spMkLst>
-            <pc:docMk/>
-            <pc:sldMk cId="2886715423" sldId="260"/>
-            <ac:spMk id="6" creationId="{5D50B76C-D9E4-2767-9E0E-49C875406735}"/>
-          </ac:spMkLst>
-        </pc:spChg>
-        <pc:spChg chg="del">
-          <ac:chgData name="Boicey, Ember" userId="c04f96fa-a9e5-4367-9111-9dae8d9a4b70" providerId="ADAL" clId="{AFD298AE-2FBC-7348-BB9D-8E4F9096270C}" dt="2024-10-15T13:15:19.105" v="20" actId="26606"/>
-          <ac:spMkLst>
-            <pc:docMk/>
-            <pc:sldMk cId="2886715423" sldId="260"/>
-            <ac:spMk id="1049" creationId="{F3AF35CD-DA30-4E34-B0F3-32C27766DA05}"/>
-          </ac:spMkLst>
-        </pc:spChg>
-        <pc:spChg chg="add">
-          <ac:chgData name="Boicey, Ember" userId="c04f96fa-a9e5-4367-9111-9dae8d9a4b70" providerId="ADAL" clId="{AFD298AE-2FBC-7348-BB9D-8E4F9096270C}" dt="2024-10-15T13:15:19.105" v="20" actId="26606"/>
-          <ac:spMkLst>
-            <pc:docMk/>
-            <pc:sldMk cId="2886715423" sldId="260"/>
-            <ac:spMk id="1058" creationId="{F3AF35CD-DA30-4E34-B0F3-32C27766DA05}"/>
-          </ac:spMkLst>
-        </pc:spChg>
-        <pc:grpChg chg="del">
-          <ac:chgData name="Boicey, Ember" userId="c04f96fa-a9e5-4367-9111-9dae8d9a4b70" providerId="ADAL" clId="{AFD298AE-2FBC-7348-BB9D-8E4F9096270C}" dt="2024-10-15T13:15:19.105" v="20" actId="26606"/>
-          <ac:grpSpMkLst>
-            <pc:docMk/>
-            <pc:sldMk cId="2886715423" sldId="260"/>
-            <ac:grpSpMk id="1051" creationId="{BCFC42DC-2C46-47C4-BC61-530557385DBD}"/>
-          </ac:grpSpMkLst>
-        </pc:grpChg>
-        <pc:grpChg chg="add">
-          <ac:chgData name="Boicey, Ember" userId="c04f96fa-a9e5-4367-9111-9dae8d9a4b70" providerId="ADAL" clId="{AFD298AE-2FBC-7348-BB9D-8E4F9096270C}" dt="2024-10-15T13:15:19.105" v="20" actId="26606"/>
-          <ac:grpSpMkLst>
-            <pc:docMk/>
-            <pc:sldMk cId="2886715423" sldId="260"/>
-            <ac:grpSpMk id="1060" creationId="{BCFC42DC-2C46-47C4-BC61-530557385DBD}"/>
-          </ac:grpSpMkLst>
-        </pc:grpChg>
-        <pc:picChg chg="add mod">
-          <ac:chgData name="Boicey, Ember" userId="c04f96fa-a9e5-4367-9111-9dae8d9a4b70" providerId="ADAL" clId="{AFD298AE-2FBC-7348-BB9D-8E4F9096270C}" dt="2024-10-15T13:15:22.030" v="22" actId="962"/>
-          <ac:picMkLst>
-            <pc:docMk/>
-            <pc:sldMk cId="2886715423" sldId="260"/>
-            <ac:picMk id="3" creationId="{2719FD8E-2E8F-8690-D8B2-E181980C5704}"/>
-          </ac:picMkLst>
-        </pc:picChg>
-        <pc:picChg chg="del">
-          <ac:chgData name="Boicey, Ember" userId="c04f96fa-a9e5-4367-9111-9dae8d9a4b70" providerId="ADAL" clId="{AFD298AE-2FBC-7348-BB9D-8E4F9096270C}" dt="2024-10-15T13:14:54.213" v="16" actId="478"/>
-          <ac:picMkLst>
-            <pc:docMk/>
-            <pc:sldMk cId="2886715423" sldId="260"/>
-            <ac:picMk id="1026" creationId="{820B9D8A-2679-E6A0-BD20-FC89FFBDE769}"/>
-          </ac:picMkLst>
-        </pc:picChg>
-      </pc:sldChg>
-    </pc:docChg>
-  </pc:docChgLst>
-</pc:chgInfo>
 </file>
 
 <file path=ppt/diagrams/colors1.xml><?xml version="1.0" encoding="utf-8"?>
@@ -12019,7 +11903,7 @@
           <a:p>
             <a:fld id="{D7314919-C30C-BE44-8926-F4A5DDB4B773}" type="datetimeFigureOut">
               <a:rPr lang="en-US" smtClean="0"/>
-              <a:t>10/15/24</a:t>
+              <a:t>11/5/24</a:t>
             </a:fld>
             <a:endParaRPr lang="en-US"/>
           </a:p>
@@ -12196,7 +12080,7 @@
           <a:p>
             <a:fld id="{D7314919-C30C-BE44-8926-F4A5DDB4B773}" type="datetimeFigureOut">
               <a:rPr lang="en-US" smtClean="0"/>
-              <a:t>10/15/24</a:t>
+              <a:t>11/5/24</a:t>
             </a:fld>
             <a:endParaRPr lang="en-US"/>
           </a:p>
@@ -12376,7 +12260,7 @@
           <a:p>
             <a:fld id="{D7314919-C30C-BE44-8926-F4A5DDB4B773}" type="datetimeFigureOut">
               <a:rPr lang="en-US" smtClean="0"/>
-              <a:t>10/15/24</a:t>
+              <a:t>11/5/24</a:t>
             </a:fld>
             <a:endParaRPr lang="en-US"/>
           </a:p>
@@ -12546,7 +12430,7 @@
           <a:p>
             <a:fld id="{D7314919-C30C-BE44-8926-F4A5DDB4B773}" type="datetimeFigureOut">
               <a:rPr lang="en-US" smtClean="0"/>
-              <a:t>10/15/24</a:t>
+              <a:t>11/5/24</a:t>
             </a:fld>
             <a:endParaRPr lang="en-US"/>
           </a:p>
@@ -12867,7 +12751,7 @@
           <a:p>
             <a:fld id="{D7314919-C30C-BE44-8926-F4A5DDB4B773}" type="datetimeFigureOut">
               <a:rPr lang="en-US" smtClean="0"/>
-              <a:t>10/15/24</a:t>
+              <a:t>11/5/24</a:t>
             </a:fld>
             <a:endParaRPr lang="en-US"/>
           </a:p>
@@ -13327,7 +13211,7 @@
           <a:p>
             <a:fld id="{D7314919-C30C-BE44-8926-F4A5DDB4B773}" type="datetimeFigureOut">
               <a:rPr lang="en-US" smtClean="0"/>
-              <a:t>10/15/24</a:t>
+              <a:t>11/5/24</a:t>
             </a:fld>
             <a:endParaRPr lang="en-US"/>
           </a:p>
@@ -13738,7 +13622,7 @@
           <a:p>
             <a:fld id="{D7314919-C30C-BE44-8926-F4A5DDB4B773}" type="datetimeFigureOut">
               <a:rPr lang="en-US" smtClean="0"/>
-              <a:t>10/15/24</a:t>
+              <a:t>11/5/24</a:t>
             </a:fld>
             <a:endParaRPr lang="en-US"/>
           </a:p>
@@ -13856,7 +13740,7 @@
           <a:p>
             <a:fld id="{D7314919-C30C-BE44-8926-F4A5DDB4B773}" type="datetimeFigureOut">
               <a:rPr lang="en-US" smtClean="0"/>
-              <a:t>10/15/24</a:t>
+              <a:t>11/5/24</a:t>
             </a:fld>
             <a:endParaRPr lang="en-US"/>
           </a:p>
@@ -13973,7 +13857,7 @@
           <a:p>
             <a:fld id="{D7314919-C30C-BE44-8926-F4A5DDB4B773}" type="datetimeFigureOut">
               <a:rPr lang="en-US" smtClean="0"/>
-              <a:t>10/15/24</a:t>
+              <a:t>11/5/24</a:t>
             </a:fld>
             <a:endParaRPr lang="en-US"/>
           </a:p>
@@ -14331,7 +14215,7 @@
           <a:p>
             <a:fld id="{D7314919-C30C-BE44-8926-F4A5DDB4B773}" type="datetimeFigureOut">
               <a:rPr lang="en-US" smtClean="0"/>
-              <a:t>10/15/24</a:t>
+              <a:t>11/5/24</a:t>
             </a:fld>
             <a:endParaRPr lang="en-US"/>
           </a:p>
@@ -14838,7 +14722,7 @@
           <a:p>
             <a:fld id="{D7314919-C30C-BE44-8926-F4A5DDB4B773}" type="datetimeFigureOut">
               <a:rPr lang="en-US" smtClean="0"/>
-              <a:t>10/15/24</a:t>
+              <a:t>11/5/24</a:t>
             </a:fld>
             <a:endParaRPr lang="en-US"/>
           </a:p>
@@ -15193,7 +15077,7 @@
           <a:p>
             <a:fld id="{D7314919-C30C-BE44-8926-F4A5DDB4B773}" type="datetimeFigureOut">
               <a:rPr lang="en-US" smtClean="0"/>
-              <a:t>10/15/24</a:t>
+              <a:t>11/5/24</a:t>
             </a:fld>
             <a:endParaRPr lang="en-US"/>
           </a:p>
